--- a/presentation/TIME SERIES FOR GLACIERS SURFACE MASS BALANCE FORCASTING.pptx
+++ b/presentation/TIME SERIES FOR GLACIERS SURFACE MASS BALANCE FORCASTING.pptx
@@ -120,6 +120,11 @@
       </a:defRPr>
     </a:lvl9pPr>
   </p:defaultTextStyle>
+  <p:extLst>
+    <p:ext uri="{EFAFB233-063F-42B5-8137-9DF3F51BA10A}">
+      <p15:sldGuideLst xmlns:p15="http://schemas.microsoft.com/office/powerpoint/2012/main"/>
+    </p:ext>
+  </p:extLst>
 </p:presentation>
 </file>
 
@@ -3409,7 +3414,7 @@
             <a:outerShdw blurRad="50800" dist="50800" dir="5400000" algn="ctr" rotWithShape="0">
               <a:srgbClr val="000000"/>
             </a:outerShdw>
-            <a:reflection endPos="65000" dist="50800" dir="5400000" sy="-100000" algn="bl" rotWithShape="0"/>
+            <a:reflection endPos="0" dist="50800" dir="5400000" sy="-100000" algn="bl" rotWithShape="0"/>
           </a:effectLst>
         </p:spPr>
       </p:pic>

--- a/presentation/TIME SERIES FOR GLACIERS SURFACE MASS BALANCE FORCASTING.pptx
+++ b/presentation/TIME SERIES FOR GLACIERS SURFACE MASS BALANCE FORCASTING.pptx
@@ -275,7 +275,7 @@
           <a:p>
             <a:fld id="{40B0ABC2-A3CA-4B2E-8B8B-D2379DF7B71A}" type="datetimeFigureOut">
               <a:rPr lang="es-ES" smtClean="0"/>
-              <a:t>29/07/2021</a:t>
+              <a:t>30/07/2021</a:t>
             </a:fld>
             <a:endParaRPr lang="es-ES"/>
           </a:p>
@@ -473,7 +473,7 @@
           <a:p>
             <a:fld id="{40B0ABC2-A3CA-4B2E-8B8B-D2379DF7B71A}" type="datetimeFigureOut">
               <a:rPr lang="es-ES" smtClean="0"/>
-              <a:t>29/07/2021</a:t>
+              <a:t>30/07/2021</a:t>
             </a:fld>
             <a:endParaRPr lang="es-ES"/>
           </a:p>
@@ -681,7 +681,7 @@
           <a:p>
             <a:fld id="{40B0ABC2-A3CA-4B2E-8B8B-D2379DF7B71A}" type="datetimeFigureOut">
               <a:rPr lang="es-ES" smtClean="0"/>
-              <a:t>29/07/2021</a:t>
+              <a:t>30/07/2021</a:t>
             </a:fld>
             <a:endParaRPr lang="es-ES"/>
           </a:p>
@@ -879,7 +879,7 @@
           <a:p>
             <a:fld id="{40B0ABC2-A3CA-4B2E-8B8B-D2379DF7B71A}" type="datetimeFigureOut">
               <a:rPr lang="es-ES" smtClean="0"/>
-              <a:t>29/07/2021</a:t>
+              <a:t>30/07/2021</a:t>
             </a:fld>
             <a:endParaRPr lang="es-ES"/>
           </a:p>
@@ -1154,7 +1154,7 @@
           <a:p>
             <a:fld id="{40B0ABC2-A3CA-4B2E-8B8B-D2379DF7B71A}" type="datetimeFigureOut">
               <a:rPr lang="es-ES" smtClean="0"/>
-              <a:t>29/07/2021</a:t>
+              <a:t>30/07/2021</a:t>
             </a:fld>
             <a:endParaRPr lang="es-ES"/>
           </a:p>
@@ -1419,7 +1419,7 @@
           <a:p>
             <a:fld id="{40B0ABC2-A3CA-4B2E-8B8B-D2379DF7B71A}" type="datetimeFigureOut">
               <a:rPr lang="es-ES" smtClean="0"/>
-              <a:t>29/07/2021</a:t>
+              <a:t>30/07/2021</a:t>
             </a:fld>
             <a:endParaRPr lang="es-ES"/>
           </a:p>
@@ -1831,7 +1831,7 @@
           <a:p>
             <a:fld id="{40B0ABC2-A3CA-4B2E-8B8B-D2379DF7B71A}" type="datetimeFigureOut">
               <a:rPr lang="es-ES" smtClean="0"/>
-              <a:t>29/07/2021</a:t>
+              <a:t>30/07/2021</a:t>
             </a:fld>
             <a:endParaRPr lang="es-ES"/>
           </a:p>
@@ -1972,7 +1972,7 @@
           <a:p>
             <a:fld id="{40B0ABC2-A3CA-4B2E-8B8B-D2379DF7B71A}" type="datetimeFigureOut">
               <a:rPr lang="es-ES" smtClean="0"/>
-              <a:t>29/07/2021</a:t>
+              <a:t>30/07/2021</a:t>
             </a:fld>
             <a:endParaRPr lang="es-ES"/>
           </a:p>
@@ -2085,7 +2085,7 @@
           <a:p>
             <a:fld id="{40B0ABC2-A3CA-4B2E-8B8B-D2379DF7B71A}" type="datetimeFigureOut">
               <a:rPr lang="es-ES" smtClean="0"/>
-              <a:t>29/07/2021</a:t>
+              <a:t>30/07/2021</a:t>
             </a:fld>
             <a:endParaRPr lang="es-ES"/>
           </a:p>
@@ -2396,7 +2396,7 @@
           <a:p>
             <a:fld id="{40B0ABC2-A3CA-4B2E-8B8B-D2379DF7B71A}" type="datetimeFigureOut">
               <a:rPr lang="es-ES" smtClean="0"/>
-              <a:t>29/07/2021</a:t>
+              <a:t>30/07/2021</a:t>
             </a:fld>
             <a:endParaRPr lang="es-ES"/>
           </a:p>
@@ -2684,7 +2684,7 @@
           <a:p>
             <a:fld id="{40B0ABC2-A3CA-4B2E-8B8B-D2379DF7B71A}" type="datetimeFigureOut">
               <a:rPr lang="es-ES" smtClean="0"/>
-              <a:t>29/07/2021</a:t>
+              <a:t>30/07/2021</a:t>
             </a:fld>
             <a:endParaRPr lang="es-ES"/>
           </a:p>
@@ -2925,7 +2925,7 @@
           <a:p>
             <a:fld id="{40B0ABC2-A3CA-4B2E-8B8B-D2379DF7B71A}" type="datetimeFigureOut">
               <a:rPr lang="es-ES" smtClean="0"/>
-              <a:t>29/07/2021</a:t>
+              <a:t>30/07/2021</a:t>
             </a:fld>
             <a:endParaRPr lang="es-ES"/>
           </a:p>
@@ -5360,7 +5360,7 @@
                 </a:solidFill>
                 <a:latin typeface="Arial Rounded MT Bold" panose="020F0704030504030204" pitchFamily="34" charset="0"/>
               </a:rPr>
-              <a:t>weeks</a:t>
+              <a:t>months</a:t>
             </a:r>
             <a:r>
               <a:rPr lang="es-ES" sz="2000" dirty="0">
